--- a/DiaryLog/Daily_Week6.pptx
+++ b/DiaryLog/Daily_Week6.pptx
@@ -7,6 +7,11 @@
   <p:sldIdLst>
     <p:sldId id="256" r:id="rId2"/>
     <p:sldId id="257" r:id="rId3"/>
+    <p:sldId id="258" r:id="rId4"/>
+    <p:sldId id="259" r:id="rId5"/>
+    <p:sldId id="260" r:id="rId6"/>
+    <p:sldId id="261" r:id="rId7"/>
+    <p:sldId id="262" r:id="rId8"/>
   </p:sldIdLst>
   <p:sldSz cx="12192000" cy="6858000"/>
   <p:notesSz cx="6858000" cy="9144000"/>
@@ -105,6 +110,11 @@
       </a:defRPr>
     </a:lvl9pPr>
   </p:defaultTextStyle>
+  <p:extLst>
+    <p:ext uri="{EFAFB233-063F-42B5-8137-9DF3F51BA10A}">
+      <p15:sldGuideLst xmlns:p15="http://schemas.microsoft.com/office/powerpoint/2012/main"/>
+    </p:ext>
+  </p:extLst>
 </p:presentation>
 </file>
 
@@ -3461,10 +3471,10 @@
       </p:pic>
       <p:pic>
         <p:nvPicPr>
-          <p:cNvPr id="7" name="图片 6">
-            <a:extLst>
-              <a:ext uri="{FF2B5EF4-FFF2-40B4-BE49-F238E27FC236}">
-                <a16:creationId xmlns:a16="http://schemas.microsoft.com/office/drawing/2014/main" id="{46665791-ECE4-48C5-AB25-76F5CD6E7498}"/>
+          <p:cNvPr id="11" name="图片 10">
+            <a:extLst>
+              <a:ext uri="{FF2B5EF4-FFF2-40B4-BE49-F238E27FC236}">
+                <a16:creationId xmlns:a16="http://schemas.microsoft.com/office/drawing/2014/main" id="{54D53DFC-E1B0-418E-8D97-006F9B148A04}"/>
               </a:ext>
             </a:extLst>
           </p:cNvPr>
@@ -3487,79 +3497,7 @@
         </p:blipFill>
         <p:spPr>
           <a:xfrm>
-            <a:off x="4300681" y="1690687"/>
-            <a:ext cx="3118428" cy="1923966"/>
-          </a:xfrm>
-          <a:prstGeom prst="rect">
-            <a:avLst/>
-          </a:prstGeom>
-        </p:spPr>
-      </p:pic>
-      <p:pic>
-        <p:nvPicPr>
-          <p:cNvPr id="9" name="图片 8">
-            <a:extLst>
-              <a:ext uri="{FF2B5EF4-FFF2-40B4-BE49-F238E27FC236}">
-                <a16:creationId xmlns:a16="http://schemas.microsoft.com/office/drawing/2014/main" id="{28D3CEC7-BE7E-4795-8165-23D2F751C062}"/>
-              </a:ext>
-            </a:extLst>
-          </p:cNvPr>
-          <p:cNvPicPr>
-            <a:picLocks noChangeAspect="1"/>
-          </p:cNvPicPr>
-          <p:nvPr/>
-        </p:nvPicPr>
-        <p:blipFill>
-          <a:blip r:embed="rId4">
-            <a:extLst>
-              <a:ext uri="{28A0092B-C50C-407E-A947-70E740481C1C}">
-                <a14:useLocalDpi xmlns:a14="http://schemas.microsoft.com/office/drawing/2010/main" val="0"/>
-              </a:ext>
-            </a:extLst>
-          </a:blip>
-          <a:stretch>
-            <a:fillRect/>
-          </a:stretch>
-        </p:blipFill>
-        <p:spPr>
-          <a:xfrm>
-            <a:off x="7900554" y="1671175"/>
-            <a:ext cx="3232671" cy="1962991"/>
-          </a:xfrm>
-          <a:prstGeom prst="rect">
-            <a:avLst/>
-          </a:prstGeom>
-        </p:spPr>
-      </p:pic>
-      <p:pic>
-        <p:nvPicPr>
-          <p:cNvPr id="11" name="图片 10">
-            <a:extLst>
-              <a:ext uri="{FF2B5EF4-FFF2-40B4-BE49-F238E27FC236}">
-                <a16:creationId xmlns:a16="http://schemas.microsoft.com/office/drawing/2014/main" id="{54D53DFC-E1B0-418E-8D97-006F9B148A04}"/>
-              </a:ext>
-            </a:extLst>
-          </p:cNvPr>
-          <p:cNvPicPr>
-            <a:picLocks noChangeAspect="1"/>
-          </p:cNvPicPr>
-          <p:nvPr/>
-        </p:nvPicPr>
-        <p:blipFill>
-          <a:blip r:embed="rId5">
-            <a:extLst>
-              <a:ext uri="{28A0092B-C50C-407E-A947-70E740481C1C}">
-                <a14:useLocalDpi xmlns:a14="http://schemas.microsoft.com/office/drawing/2010/main" val="0"/>
-              </a:ext>
-            </a:extLst>
-          </a:blip>
-          <a:stretch>
-            <a:fillRect/>
-          </a:stretch>
-        </p:blipFill>
-        <p:spPr>
-          <a:xfrm>
-            <a:off x="887196" y="4162857"/>
+            <a:off x="8247477" y="1690688"/>
             <a:ext cx="3256107" cy="2008909"/>
           </a:xfrm>
           <a:prstGeom prst="rect">
@@ -3569,10 +3507,82 @@
       </p:pic>
       <p:pic>
         <p:nvPicPr>
-          <p:cNvPr id="13" name="图片 12">
-            <a:extLst>
-              <a:ext uri="{FF2B5EF4-FFF2-40B4-BE49-F238E27FC236}">
-                <a16:creationId xmlns:a16="http://schemas.microsoft.com/office/drawing/2014/main" id="{46CCF873-B8F8-4C31-AA56-CBB17F3153DA}"/>
+          <p:cNvPr id="4" name="图片 3">
+            <a:extLst>
+              <a:ext uri="{FF2B5EF4-FFF2-40B4-BE49-F238E27FC236}">
+                <a16:creationId xmlns:a16="http://schemas.microsoft.com/office/drawing/2014/main" id="{5FABFBEF-E48A-46DC-8FC8-48E693EA4A0F}"/>
+              </a:ext>
+            </a:extLst>
+          </p:cNvPr>
+          <p:cNvPicPr>
+            <a:picLocks noChangeAspect="1"/>
+          </p:cNvPicPr>
+          <p:nvPr/>
+        </p:nvPicPr>
+        <p:blipFill>
+          <a:blip r:embed="rId4">
+            <a:extLst>
+              <a:ext uri="{28A0092B-C50C-407E-A947-70E740481C1C}">
+                <a14:useLocalDpi xmlns:a14="http://schemas.microsoft.com/office/drawing/2010/main" val="0"/>
+              </a:ext>
+            </a:extLst>
+          </a:blip>
+          <a:stretch>
+            <a:fillRect/>
+          </a:stretch>
+        </p:blipFill>
+        <p:spPr>
+          <a:xfrm>
+            <a:off x="4393875" y="1657591"/>
+            <a:ext cx="3404250" cy="2075101"/>
+          </a:xfrm>
+          <a:prstGeom prst="rect">
+            <a:avLst/>
+          </a:prstGeom>
+        </p:spPr>
+      </p:pic>
+      <p:pic>
+        <p:nvPicPr>
+          <p:cNvPr id="8" name="图片 7">
+            <a:extLst>
+              <a:ext uri="{FF2B5EF4-FFF2-40B4-BE49-F238E27FC236}">
+                <a16:creationId xmlns:a16="http://schemas.microsoft.com/office/drawing/2014/main" id="{B8013486-101F-4F0B-A511-5A5ADFF5BBDE}"/>
+              </a:ext>
+            </a:extLst>
+          </p:cNvPr>
+          <p:cNvPicPr>
+            <a:picLocks noChangeAspect="1"/>
+          </p:cNvPicPr>
+          <p:nvPr/>
+        </p:nvPicPr>
+        <p:blipFill>
+          <a:blip r:embed="rId5">
+            <a:extLst>
+              <a:ext uri="{28A0092B-C50C-407E-A947-70E740481C1C}">
+                <a14:useLocalDpi xmlns:a14="http://schemas.microsoft.com/office/drawing/2010/main" val="0"/>
+              </a:ext>
+            </a:extLst>
+          </a:blip>
+          <a:stretch>
+            <a:fillRect/>
+          </a:stretch>
+        </p:blipFill>
+        <p:spPr>
+          <a:xfrm>
+            <a:off x="769662" y="3900172"/>
+            <a:ext cx="3552956" cy="2186652"/>
+          </a:xfrm>
+          <a:prstGeom prst="rect">
+            <a:avLst/>
+          </a:prstGeom>
+        </p:spPr>
+      </p:pic>
+      <p:pic>
+        <p:nvPicPr>
+          <p:cNvPr id="12" name="图片 11">
+            <a:extLst>
+              <a:ext uri="{FF2B5EF4-FFF2-40B4-BE49-F238E27FC236}">
+                <a16:creationId xmlns:a16="http://schemas.microsoft.com/office/drawing/2014/main" id="{55BCB971-75CE-498E-ACDF-CD4EB9AB91F0}"/>
               </a:ext>
             </a:extLst>
           </p:cNvPr>
@@ -3595,8 +3605,44 @@
         </p:blipFill>
         <p:spPr>
           <a:xfrm>
-            <a:off x="4459794" y="4162858"/>
-            <a:ext cx="3103043" cy="1923966"/>
+            <a:off x="4393875" y="3919759"/>
+            <a:ext cx="3731816" cy="2270761"/>
+          </a:xfrm>
+          <a:prstGeom prst="rect">
+            <a:avLst/>
+          </a:prstGeom>
+        </p:spPr>
+      </p:pic>
+      <p:pic>
+        <p:nvPicPr>
+          <p:cNvPr id="15" name="图片 14">
+            <a:extLst>
+              <a:ext uri="{FF2B5EF4-FFF2-40B4-BE49-F238E27FC236}">
+                <a16:creationId xmlns:a16="http://schemas.microsoft.com/office/drawing/2014/main" id="{5BE83A87-0222-4E6D-A6B3-2E622D6A6D19}"/>
+              </a:ext>
+            </a:extLst>
+          </p:cNvPr>
+          <p:cNvPicPr>
+            <a:picLocks noChangeAspect="1"/>
+          </p:cNvPicPr>
+          <p:nvPr/>
+        </p:nvPicPr>
+        <p:blipFill>
+          <a:blip r:embed="rId7">
+            <a:extLst>
+              <a:ext uri="{28A0092B-C50C-407E-A947-70E740481C1C}">
+                <a14:useLocalDpi xmlns:a14="http://schemas.microsoft.com/office/drawing/2010/main" val="0"/>
+              </a:ext>
+            </a:extLst>
+          </a:blip>
+          <a:stretch>
+            <a:fillRect/>
+          </a:stretch>
+        </p:blipFill>
+        <p:spPr>
+          <a:xfrm>
+            <a:off x="8247477" y="3900151"/>
+            <a:ext cx="3552956" cy="2167132"/>
           </a:xfrm>
           <a:prstGeom prst="rect">
             <a:avLst/>
@@ -3607,6 +3653,704 @@
     <p:extLst>
       <p:ext uri="{BB962C8B-B14F-4D97-AF65-F5344CB8AC3E}">
         <p14:creationId xmlns:p14="http://schemas.microsoft.com/office/powerpoint/2010/main" val="3023953902"/>
+      </p:ext>
+    </p:extLst>
+  </p:cSld>
+  <p:clrMapOvr>
+    <a:masterClrMapping/>
+  </p:clrMapOvr>
+</p:sld>
+</file>
+
+<file path=ppt/slides/slide3.xml><?xml version="1.0" encoding="utf-8"?>
+<p:sld xmlns:a="http://schemas.openxmlformats.org/drawingml/2006/main" xmlns:r="http://schemas.openxmlformats.org/officeDocument/2006/relationships" xmlns:p="http://schemas.openxmlformats.org/presentationml/2006/main">
+  <p:cSld>
+    <p:spTree>
+      <p:nvGrpSpPr>
+        <p:cNvPr id="1" name=""/>
+        <p:cNvGrpSpPr/>
+        <p:nvPr/>
+      </p:nvGrpSpPr>
+      <p:grpSpPr>
+        <a:xfrm>
+          <a:off x="0" y="0"/>
+          <a:ext cx="0" cy="0"/>
+          <a:chOff x="0" y="0"/>
+          <a:chExt cx="0" cy="0"/>
+        </a:xfrm>
+      </p:grpSpPr>
+      <p:sp>
+        <p:nvSpPr>
+          <p:cNvPr id="2" name="标题 1">
+            <a:extLst>
+              <a:ext uri="{FF2B5EF4-FFF2-40B4-BE49-F238E27FC236}">
+                <a16:creationId xmlns:a16="http://schemas.microsoft.com/office/drawing/2014/main" id="{AB00FB05-4892-42F5-97BE-D76102F4427E}"/>
+              </a:ext>
+            </a:extLst>
+          </p:cNvPr>
+          <p:cNvSpPr>
+            <a:spLocks noGrp="1"/>
+          </p:cNvSpPr>
+          <p:nvPr>
+            <p:ph type="title"/>
+          </p:nvPr>
+        </p:nvSpPr>
+        <p:spPr/>
+        <p:txBody>
+          <a:bodyPr>
+            <a:normAutofit/>
+          </a:bodyPr>
+          <a:lstStyle/>
+          <a:p>
+            <a:r>
+              <a:rPr lang="en-US" altLang="zh-CN" sz="3600" dirty="0"/>
+              <a:t>Distribution of Missense/</a:t>
+            </a:r>
+            <a:r>
+              <a:rPr lang="en-US" altLang="zh-CN" sz="3600" dirty="0" err="1"/>
+              <a:t>Synonmous</a:t>
+            </a:r>
+            <a:r>
+              <a:rPr lang="en-US" altLang="zh-CN" sz="3600" dirty="0"/>
+              <a:t> with time</a:t>
+            </a:r>
+            <a:endParaRPr lang="zh-CN" altLang="en-US" sz="3600" dirty="0"/>
+          </a:p>
+        </p:txBody>
+      </p:sp>
+      <p:pic>
+        <p:nvPicPr>
+          <p:cNvPr id="5" name="图片 4">
+            <a:extLst>
+              <a:ext uri="{FF2B5EF4-FFF2-40B4-BE49-F238E27FC236}">
+                <a16:creationId xmlns:a16="http://schemas.microsoft.com/office/drawing/2014/main" id="{2BE63E2D-74AF-4989-A55F-B4E1CE714FCD}"/>
+              </a:ext>
+            </a:extLst>
+          </p:cNvPr>
+          <p:cNvPicPr>
+            <a:picLocks noChangeAspect="1"/>
+          </p:cNvPicPr>
+          <p:nvPr/>
+        </p:nvPicPr>
+        <p:blipFill>
+          <a:blip r:embed="rId2">
+            <a:extLst>
+              <a:ext uri="{28A0092B-C50C-407E-A947-70E740481C1C}">
+                <a14:useLocalDpi xmlns:a14="http://schemas.microsoft.com/office/drawing/2010/main" val="0"/>
+              </a:ext>
+            </a:extLst>
+          </a:blip>
+          <a:stretch>
+            <a:fillRect/>
+          </a:stretch>
+        </p:blipFill>
+        <p:spPr>
+          <a:xfrm>
+            <a:off x="489611" y="1982002"/>
+            <a:ext cx="5149189" cy="3127320"/>
+          </a:xfrm>
+          <a:prstGeom prst="rect">
+            <a:avLst/>
+          </a:prstGeom>
+        </p:spPr>
+      </p:pic>
+      <p:pic>
+        <p:nvPicPr>
+          <p:cNvPr id="7" name="图片 6">
+            <a:extLst>
+              <a:ext uri="{FF2B5EF4-FFF2-40B4-BE49-F238E27FC236}">
+                <a16:creationId xmlns:a16="http://schemas.microsoft.com/office/drawing/2014/main" id="{9B9672A5-CAFA-4DBC-B25A-EA6C33DEFD84}"/>
+              </a:ext>
+            </a:extLst>
+          </p:cNvPr>
+          <p:cNvPicPr>
+            <a:picLocks noChangeAspect="1"/>
+          </p:cNvPicPr>
+          <p:nvPr/>
+        </p:nvPicPr>
+        <p:blipFill>
+          <a:blip r:embed="rId3">
+            <a:extLst>
+              <a:ext uri="{28A0092B-C50C-407E-A947-70E740481C1C}">
+                <a14:useLocalDpi xmlns:a14="http://schemas.microsoft.com/office/drawing/2010/main" val="0"/>
+              </a:ext>
+            </a:extLst>
+          </a:blip>
+          <a:stretch>
+            <a:fillRect/>
+          </a:stretch>
+        </p:blipFill>
+        <p:spPr>
+          <a:xfrm>
+            <a:off x="5917912" y="2108449"/>
+            <a:ext cx="4870077" cy="3000873"/>
+          </a:xfrm>
+          <a:prstGeom prst="rect">
+            <a:avLst/>
+          </a:prstGeom>
+        </p:spPr>
+      </p:pic>
+    </p:spTree>
+    <p:extLst>
+      <p:ext uri="{BB962C8B-B14F-4D97-AF65-F5344CB8AC3E}">
+        <p14:creationId xmlns:p14="http://schemas.microsoft.com/office/powerpoint/2010/main" val="1947630985"/>
+      </p:ext>
+    </p:extLst>
+  </p:cSld>
+  <p:clrMapOvr>
+    <a:masterClrMapping/>
+  </p:clrMapOvr>
+</p:sld>
+</file>
+
+<file path=ppt/slides/slide4.xml><?xml version="1.0" encoding="utf-8"?>
+<p:sld xmlns:a="http://schemas.openxmlformats.org/drawingml/2006/main" xmlns:r="http://schemas.openxmlformats.org/officeDocument/2006/relationships" xmlns:p="http://schemas.openxmlformats.org/presentationml/2006/main">
+  <p:cSld>
+    <p:spTree>
+      <p:nvGrpSpPr>
+        <p:cNvPr id="1" name=""/>
+        <p:cNvGrpSpPr/>
+        <p:nvPr/>
+      </p:nvGrpSpPr>
+      <p:grpSpPr>
+        <a:xfrm>
+          <a:off x="0" y="0"/>
+          <a:ext cx="0" cy="0"/>
+          <a:chOff x="0" y="0"/>
+          <a:chExt cx="0" cy="0"/>
+        </a:xfrm>
+      </p:grpSpPr>
+      <p:sp>
+        <p:nvSpPr>
+          <p:cNvPr id="2" name="标题 1">
+            <a:extLst>
+              <a:ext uri="{FF2B5EF4-FFF2-40B4-BE49-F238E27FC236}">
+                <a16:creationId xmlns:a16="http://schemas.microsoft.com/office/drawing/2014/main" id="{D3E52F5D-9A7B-477B-AF67-BDAEE8E857B7}"/>
+              </a:ext>
+            </a:extLst>
+          </p:cNvPr>
+          <p:cNvSpPr>
+            <a:spLocks noGrp="1"/>
+          </p:cNvSpPr>
+          <p:nvPr>
+            <p:ph type="title"/>
+          </p:nvPr>
+        </p:nvSpPr>
+        <p:spPr/>
+        <p:txBody>
+          <a:bodyPr/>
+          <a:lstStyle/>
+          <a:p>
+            <a:r>
+              <a:rPr lang="en-US" altLang="zh-CN" dirty="0"/>
+              <a:t>Counting the number of different variants</a:t>
+            </a:r>
+            <a:endParaRPr lang="zh-CN" altLang="en-US" dirty="0"/>
+          </a:p>
+        </p:txBody>
+      </p:sp>
+      <p:pic>
+        <p:nvPicPr>
+          <p:cNvPr id="5" name="图片 4">
+            <a:extLst>
+              <a:ext uri="{FF2B5EF4-FFF2-40B4-BE49-F238E27FC236}">
+                <a16:creationId xmlns:a16="http://schemas.microsoft.com/office/drawing/2014/main" id="{4FC6628D-138E-474A-8822-90AD16B93D16}"/>
+              </a:ext>
+            </a:extLst>
+          </p:cNvPr>
+          <p:cNvPicPr>
+            <a:picLocks noChangeAspect="1"/>
+          </p:cNvPicPr>
+          <p:nvPr/>
+        </p:nvPicPr>
+        <p:blipFill>
+          <a:blip r:embed="rId2">
+            <a:extLst>
+              <a:ext uri="{28A0092B-C50C-407E-A947-70E740481C1C}">
+                <a14:useLocalDpi xmlns:a14="http://schemas.microsoft.com/office/drawing/2010/main" val="0"/>
+              </a:ext>
+            </a:extLst>
+          </a:blip>
+          <a:stretch>
+            <a:fillRect/>
+          </a:stretch>
+        </p:blipFill>
+        <p:spPr>
+          <a:xfrm>
+            <a:off x="905534" y="2040300"/>
+            <a:ext cx="5509121" cy="2136634"/>
+          </a:xfrm>
+          <a:prstGeom prst="rect">
+            <a:avLst/>
+          </a:prstGeom>
+        </p:spPr>
+      </p:pic>
+      <p:sp>
+        <p:nvSpPr>
+          <p:cNvPr id="6" name="文本框 5">
+            <a:extLst>
+              <a:ext uri="{FF2B5EF4-FFF2-40B4-BE49-F238E27FC236}">
+                <a16:creationId xmlns:a16="http://schemas.microsoft.com/office/drawing/2014/main" id="{2BBD25CF-05B7-44A6-AC85-7AD848C2462F}"/>
+              </a:ext>
+            </a:extLst>
+          </p:cNvPr>
+          <p:cNvSpPr txBox="1"/>
+          <p:nvPr/>
+        </p:nvSpPr>
+        <p:spPr>
+          <a:xfrm>
+            <a:off x="6864927" y="1953491"/>
+            <a:ext cx="3913909" cy="1477328"/>
+          </a:xfrm>
+          <a:prstGeom prst="rect">
+            <a:avLst/>
+          </a:prstGeom>
+          <a:noFill/>
+        </p:spPr>
+        <p:txBody>
+          <a:bodyPr wrap="square" rtlCol="0">
+            <a:spAutoFit/>
+          </a:bodyPr>
+          <a:lstStyle/>
+          <a:p>
+            <a:r>
+              <a:rPr lang="en-US" altLang="zh-CN" dirty="0"/>
+              <a:t>Theoretically, due to the strong purifying selection, there should be very few Non-syn comparing to Syn. But as shown in the table, # of NS is 4 times as # of Syn. </a:t>
+            </a:r>
+            <a:endParaRPr lang="zh-CN" altLang="en-US" dirty="0"/>
+          </a:p>
+        </p:txBody>
+      </p:sp>
+    </p:spTree>
+    <p:extLst>
+      <p:ext uri="{BB962C8B-B14F-4D97-AF65-F5344CB8AC3E}">
+        <p14:creationId xmlns:p14="http://schemas.microsoft.com/office/powerpoint/2010/main" val="4096229006"/>
+      </p:ext>
+    </p:extLst>
+  </p:cSld>
+  <p:clrMapOvr>
+    <a:masterClrMapping/>
+  </p:clrMapOvr>
+</p:sld>
+</file>
+
+<file path=ppt/slides/slide5.xml><?xml version="1.0" encoding="utf-8"?>
+<p:sld xmlns:a="http://schemas.openxmlformats.org/drawingml/2006/main" xmlns:r="http://schemas.openxmlformats.org/officeDocument/2006/relationships" xmlns:p="http://schemas.openxmlformats.org/presentationml/2006/main">
+  <p:cSld>
+    <p:spTree>
+      <p:nvGrpSpPr>
+        <p:cNvPr id="1" name=""/>
+        <p:cNvGrpSpPr/>
+        <p:nvPr/>
+      </p:nvGrpSpPr>
+      <p:grpSpPr>
+        <a:xfrm>
+          <a:off x="0" y="0"/>
+          <a:ext cx="0" cy="0"/>
+          <a:chOff x="0" y="0"/>
+          <a:chExt cx="0" cy="0"/>
+        </a:xfrm>
+      </p:grpSpPr>
+      <p:sp>
+        <p:nvSpPr>
+          <p:cNvPr id="2" name="标题 1">
+            <a:extLst>
+              <a:ext uri="{FF2B5EF4-FFF2-40B4-BE49-F238E27FC236}">
+                <a16:creationId xmlns:a16="http://schemas.microsoft.com/office/drawing/2014/main" id="{3AC2CCE2-80F8-4421-8C40-284E882C3C24}"/>
+              </a:ext>
+            </a:extLst>
+          </p:cNvPr>
+          <p:cNvSpPr>
+            <a:spLocks noGrp="1"/>
+          </p:cNvSpPr>
+          <p:nvPr>
+            <p:ph type="title"/>
+          </p:nvPr>
+        </p:nvSpPr>
+        <p:spPr/>
+        <p:txBody>
+          <a:bodyPr/>
+          <a:lstStyle/>
+          <a:p>
+            <a:r>
+              <a:rPr lang="en-US" altLang="zh-CN" dirty="0" err="1"/>
+              <a:t>AA_change</a:t>
+            </a:r>
+            <a:r>
+              <a:rPr lang="en-US" altLang="zh-CN" dirty="0"/>
+              <a:t> in Omicron and Delta</a:t>
+            </a:r>
+            <a:endParaRPr lang="zh-CN" altLang="en-US" dirty="0"/>
+          </a:p>
+        </p:txBody>
+      </p:sp>
+      <p:pic>
+        <p:nvPicPr>
+          <p:cNvPr id="5" name="图片 4">
+            <a:extLst>
+              <a:ext uri="{FF2B5EF4-FFF2-40B4-BE49-F238E27FC236}">
+                <a16:creationId xmlns:a16="http://schemas.microsoft.com/office/drawing/2014/main" id="{608F395C-C451-4A6E-8C74-3CF648E0E976}"/>
+              </a:ext>
+            </a:extLst>
+          </p:cNvPr>
+          <p:cNvPicPr>
+            <a:picLocks noChangeAspect="1"/>
+          </p:cNvPicPr>
+          <p:nvPr/>
+        </p:nvPicPr>
+        <p:blipFill>
+          <a:blip r:embed="rId2">
+            <a:extLst>
+              <a:ext uri="{28A0092B-C50C-407E-A947-70E740481C1C}">
+                <a14:useLocalDpi xmlns:a14="http://schemas.microsoft.com/office/drawing/2010/main" val="0"/>
+              </a:ext>
+            </a:extLst>
+          </a:blip>
+          <a:stretch>
+            <a:fillRect/>
+          </a:stretch>
+        </p:blipFill>
+        <p:spPr>
+          <a:xfrm>
+            <a:off x="838200" y="1771791"/>
+            <a:ext cx="5240465" cy="2514304"/>
+          </a:xfrm>
+          <a:prstGeom prst="rect">
+            <a:avLst/>
+          </a:prstGeom>
+        </p:spPr>
+      </p:pic>
+      <p:pic>
+        <p:nvPicPr>
+          <p:cNvPr id="7" name="图片 6">
+            <a:extLst>
+              <a:ext uri="{FF2B5EF4-FFF2-40B4-BE49-F238E27FC236}">
+                <a16:creationId xmlns:a16="http://schemas.microsoft.com/office/drawing/2014/main" id="{DF7D9E3A-BBA8-4D3C-AB18-A1FD22925A09}"/>
+              </a:ext>
+            </a:extLst>
+          </p:cNvPr>
+          <p:cNvPicPr>
+            <a:picLocks noChangeAspect="1"/>
+          </p:cNvPicPr>
+          <p:nvPr/>
+        </p:nvPicPr>
+        <p:blipFill>
+          <a:blip r:embed="rId3">
+            <a:extLst>
+              <a:ext uri="{28A0092B-C50C-407E-A947-70E740481C1C}">
+                <a14:useLocalDpi xmlns:a14="http://schemas.microsoft.com/office/drawing/2010/main" val="0"/>
+              </a:ext>
+            </a:extLst>
+          </a:blip>
+          <a:stretch>
+            <a:fillRect/>
+          </a:stretch>
+        </p:blipFill>
+        <p:spPr>
+          <a:xfrm>
+            <a:off x="6508536" y="1758035"/>
+            <a:ext cx="5420228" cy="2528060"/>
+          </a:xfrm>
+          <a:prstGeom prst="rect">
+            <a:avLst/>
+          </a:prstGeom>
+        </p:spPr>
+      </p:pic>
+      <p:sp>
+        <p:nvSpPr>
+          <p:cNvPr id="8" name="文本框 7">
+            <a:extLst>
+              <a:ext uri="{FF2B5EF4-FFF2-40B4-BE49-F238E27FC236}">
+                <a16:creationId xmlns:a16="http://schemas.microsoft.com/office/drawing/2014/main" id="{E444C7AE-E9B0-4956-8120-4F5699C71579}"/>
+              </a:ext>
+            </a:extLst>
+          </p:cNvPr>
+          <p:cNvSpPr txBox="1"/>
+          <p:nvPr/>
+        </p:nvSpPr>
+        <p:spPr>
+          <a:xfrm>
+            <a:off x="838200" y="4606636"/>
+            <a:ext cx="10993582" cy="1200329"/>
+          </a:xfrm>
+          <a:prstGeom prst="rect">
+            <a:avLst/>
+          </a:prstGeom>
+          <a:noFill/>
+        </p:spPr>
+        <p:txBody>
+          <a:bodyPr wrap="square" rtlCol="0">
+            <a:spAutoFit/>
+          </a:bodyPr>
+          <a:lstStyle/>
+          <a:p>
+            <a:r>
+              <a:rPr lang="en-US" altLang="zh-CN" dirty="0"/>
+              <a:t>T3255I comes newly in Omicron;</a:t>
+            </a:r>
+          </a:p>
+          <a:p>
+            <a:r>
+              <a:rPr lang="en-US" altLang="zh-CN" dirty="0"/>
+              <a:t>P4715L is shared by both;</a:t>
+            </a:r>
+          </a:p>
+          <a:p>
+            <a:r>
+              <a:rPr lang="en-US" altLang="zh-CN" dirty="0"/>
+              <a:t>D614G is shared by both -&gt; Since May 2020, it has already shown</a:t>
+            </a:r>
+          </a:p>
+          <a:p>
+            <a:r>
+              <a:rPr lang="en-US" altLang="zh-CN" dirty="0"/>
+              <a:t>			Adaptive Selection???</a:t>
+            </a:r>
+          </a:p>
+        </p:txBody>
+      </p:sp>
+      <p:pic>
+        <p:nvPicPr>
+          <p:cNvPr id="10" name="图片 9">
+            <a:extLst>
+              <a:ext uri="{FF2B5EF4-FFF2-40B4-BE49-F238E27FC236}">
+                <a16:creationId xmlns:a16="http://schemas.microsoft.com/office/drawing/2014/main" id="{4F1EBCEF-FF6C-4579-BE17-72F4E7E680F0}"/>
+              </a:ext>
+            </a:extLst>
+          </p:cNvPr>
+          <p:cNvPicPr>
+            <a:picLocks noChangeAspect="1"/>
+          </p:cNvPicPr>
+          <p:nvPr/>
+        </p:nvPicPr>
+        <p:blipFill>
+          <a:blip r:embed="rId4">
+            <a:extLst>
+              <a:ext uri="{28A0092B-C50C-407E-A947-70E740481C1C}">
+                <a14:useLocalDpi xmlns:a14="http://schemas.microsoft.com/office/drawing/2010/main" val="0"/>
+              </a:ext>
+            </a:extLst>
+          </a:blip>
+          <a:stretch>
+            <a:fillRect/>
+          </a:stretch>
+        </p:blipFill>
+        <p:spPr>
+          <a:xfrm>
+            <a:off x="7569620" y="4863796"/>
+            <a:ext cx="2751382" cy="1332339"/>
+          </a:xfrm>
+          <a:prstGeom prst="rect">
+            <a:avLst/>
+          </a:prstGeom>
+        </p:spPr>
+      </p:pic>
+    </p:spTree>
+    <p:extLst>
+      <p:ext uri="{BB962C8B-B14F-4D97-AF65-F5344CB8AC3E}">
+        <p14:creationId xmlns:p14="http://schemas.microsoft.com/office/powerpoint/2010/main" val="1426374707"/>
+      </p:ext>
+    </p:extLst>
+  </p:cSld>
+  <p:clrMapOvr>
+    <a:masterClrMapping/>
+  </p:clrMapOvr>
+</p:sld>
+</file>
+
+<file path=ppt/slides/slide6.xml><?xml version="1.0" encoding="utf-8"?>
+<p:sld xmlns:a="http://schemas.openxmlformats.org/drawingml/2006/main" xmlns:r="http://schemas.openxmlformats.org/officeDocument/2006/relationships" xmlns:p="http://schemas.openxmlformats.org/presentationml/2006/main">
+  <p:cSld>
+    <p:spTree>
+      <p:nvGrpSpPr>
+        <p:cNvPr id="1" name=""/>
+        <p:cNvGrpSpPr/>
+        <p:nvPr/>
+      </p:nvGrpSpPr>
+      <p:grpSpPr>
+        <a:xfrm>
+          <a:off x="0" y="0"/>
+          <a:ext cx="0" cy="0"/>
+          <a:chOff x="0" y="0"/>
+          <a:chExt cx="0" cy="0"/>
+        </a:xfrm>
+      </p:grpSpPr>
+      <p:sp>
+        <p:nvSpPr>
+          <p:cNvPr id="2" name="标题 1">
+            <a:extLst>
+              <a:ext uri="{FF2B5EF4-FFF2-40B4-BE49-F238E27FC236}">
+                <a16:creationId xmlns:a16="http://schemas.microsoft.com/office/drawing/2014/main" id="{51D21E54-FCD5-44FA-A784-B0B91F1A9D1C}"/>
+              </a:ext>
+            </a:extLst>
+          </p:cNvPr>
+          <p:cNvSpPr>
+            <a:spLocks noGrp="1"/>
+          </p:cNvSpPr>
+          <p:nvPr>
+            <p:ph type="title"/>
+          </p:nvPr>
+        </p:nvSpPr>
+        <p:spPr/>
+        <p:txBody>
+          <a:bodyPr/>
+          <a:lstStyle/>
+          <a:p>
+            <a:r>
+              <a:rPr lang="en-US" altLang="zh-CN" dirty="0"/>
+              <a:t>A small question</a:t>
+            </a:r>
+            <a:endParaRPr lang="zh-CN" altLang="en-US" dirty="0"/>
+          </a:p>
+        </p:txBody>
+      </p:sp>
+      <p:sp>
+        <p:nvSpPr>
+          <p:cNvPr id="3" name="内容占位符 2">
+            <a:extLst>
+              <a:ext uri="{FF2B5EF4-FFF2-40B4-BE49-F238E27FC236}">
+                <a16:creationId xmlns:a16="http://schemas.microsoft.com/office/drawing/2014/main" id="{3ED50A39-C519-496A-8F5B-F924E5A0F056}"/>
+              </a:ext>
+            </a:extLst>
+          </p:cNvPr>
+          <p:cNvSpPr>
+            <a:spLocks noGrp="1"/>
+          </p:cNvSpPr>
+          <p:nvPr>
+            <p:ph idx="1"/>
+          </p:nvPr>
+        </p:nvSpPr>
+        <p:spPr/>
+        <p:txBody>
+          <a:bodyPr/>
+          <a:lstStyle/>
+          <a:p>
+            <a:r>
+              <a:rPr lang="en-US" altLang="zh-CN" dirty="0"/>
+              <a:t>SARS-CoV-2 is a RNA virus, why there is Thymine in the data?</a:t>
+            </a:r>
+            <a:endParaRPr lang="zh-CN" altLang="en-US" dirty="0"/>
+          </a:p>
+        </p:txBody>
+      </p:sp>
+    </p:spTree>
+    <p:extLst>
+      <p:ext uri="{BB962C8B-B14F-4D97-AF65-F5344CB8AC3E}">
+        <p14:creationId xmlns:p14="http://schemas.microsoft.com/office/powerpoint/2010/main" val="1428705747"/>
+      </p:ext>
+    </p:extLst>
+  </p:cSld>
+  <p:clrMapOvr>
+    <a:masterClrMapping/>
+  </p:clrMapOvr>
+</p:sld>
+</file>
+
+<file path=ppt/slides/slide7.xml><?xml version="1.0" encoding="utf-8"?>
+<p:sld xmlns:a="http://schemas.openxmlformats.org/drawingml/2006/main" xmlns:r="http://schemas.openxmlformats.org/officeDocument/2006/relationships" xmlns:p="http://schemas.openxmlformats.org/presentationml/2006/main">
+  <p:cSld>
+    <p:spTree>
+      <p:nvGrpSpPr>
+        <p:cNvPr id="1" name=""/>
+        <p:cNvGrpSpPr/>
+        <p:nvPr/>
+      </p:nvGrpSpPr>
+      <p:grpSpPr>
+        <a:xfrm>
+          <a:off x="0" y="0"/>
+          <a:ext cx="0" cy="0"/>
+          <a:chOff x="0" y="0"/>
+          <a:chExt cx="0" cy="0"/>
+        </a:xfrm>
+      </p:grpSpPr>
+      <p:sp>
+        <p:nvSpPr>
+          <p:cNvPr id="2" name="标题 1">
+            <a:extLst>
+              <a:ext uri="{FF2B5EF4-FFF2-40B4-BE49-F238E27FC236}">
+                <a16:creationId xmlns:a16="http://schemas.microsoft.com/office/drawing/2014/main" id="{B22C4E41-00ED-4434-9D52-78996F807563}"/>
+              </a:ext>
+            </a:extLst>
+          </p:cNvPr>
+          <p:cNvSpPr>
+            <a:spLocks noGrp="1"/>
+          </p:cNvSpPr>
+          <p:nvPr>
+            <p:ph type="title"/>
+          </p:nvPr>
+        </p:nvSpPr>
+        <p:spPr/>
+        <p:txBody>
+          <a:bodyPr/>
+          <a:lstStyle/>
+          <a:p>
+            <a:r>
+              <a:rPr lang="en-US" altLang="zh-CN" dirty="0"/>
+              <a:t>Question 1</a:t>
+            </a:r>
+            <a:endParaRPr lang="zh-CN" altLang="en-US" dirty="0"/>
+          </a:p>
+        </p:txBody>
+      </p:sp>
+      <p:sp>
+        <p:nvSpPr>
+          <p:cNvPr id="3" name="内容占位符 2">
+            <a:extLst>
+              <a:ext uri="{FF2B5EF4-FFF2-40B4-BE49-F238E27FC236}">
+                <a16:creationId xmlns:a16="http://schemas.microsoft.com/office/drawing/2014/main" id="{BA6490AE-2326-4365-A7CD-AFB711789356}"/>
+              </a:ext>
+            </a:extLst>
+          </p:cNvPr>
+          <p:cNvSpPr>
+            <a:spLocks noGrp="1"/>
+          </p:cNvSpPr>
+          <p:nvPr>
+            <p:ph idx="1"/>
+          </p:nvPr>
+        </p:nvSpPr>
+        <p:spPr/>
+        <p:txBody>
+          <a:bodyPr/>
+          <a:lstStyle/>
+          <a:p>
+            <a:r>
+              <a:rPr lang="en-US" altLang="zh-CN" dirty="0"/>
+              <a:t>The strength and influence of adaptive selection </a:t>
+            </a:r>
+            <a:r>
+              <a:rPr lang="en-US" altLang="zh-CN"/>
+              <a:t>to SARS-CoV-2?</a:t>
+            </a:r>
+            <a:endParaRPr lang="en-US" altLang="zh-CN" dirty="0"/>
+          </a:p>
+          <a:p>
+            <a:pPr lvl="1"/>
+            <a:r>
+              <a:rPr lang="en-US" altLang="zh-CN" dirty="0"/>
+              <a:t>L452R comes back again</a:t>
+            </a:r>
+          </a:p>
+          <a:p>
+            <a:pPr lvl="1"/>
+            <a:r>
+              <a:rPr lang="en-US" altLang="zh-CN" dirty="0"/>
+              <a:t>Many missense variants shown</a:t>
+            </a:r>
+          </a:p>
+          <a:p>
+            <a:pPr lvl="1"/>
+            <a:r>
+              <a:rPr lang="en-US" altLang="zh-CN" dirty="0"/>
+              <a:t>D614G has fixed</a:t>
+            </a:r>
+            <a:endParaRPr lang="zh-CN" altLang="en-US" dirty="0"/>
+          </a:p>
+        </p:txBody>
+      </p:sp>
+    </p:spTree>
+    <p:extLst>
+      <p:ext uri="{BB962C8B-B14F-4D97-AF65-F5344CB8AC3E}">
+        <p14:creationId xmlns:p14="http://schemas.microsoft.com/office/powerpoint/2010/main" val="1110309883"/>
       </p:ext>
     </p:extLst>
   </p:cSld>

--- a/DiaryLog/Daily_Week6.pptx
+++ b/DiaryLog/Daily_Week6.pptx
@@ -7,11 +7,13 @@
   <p:sldIdLst>
     <p:sldId id="256" r:id="rId2"/>
     <p:sldId id="257" r:id="rId3"/>
-    <p:sldId id="258" r:id="rId4"/>
-    <p:sldId id="259" r:id="rId5"/>
-    <p:sldId id="260" r:id="rId6"/>
-    <p:sldId id="261" r:id="rId7"/>
-    <p:sldId id="262" r:id="rId8"/>
+    <p:sldId id="263" r:id="rId4"/>
+    <p:sldId id="258" r:id="rId5"/>
+    <p:sldId id="259" r:id="rId6"/>
+    <p:sldId id="260" r:id="rId7"/>
+    <p:sldId id="261" r:id="rId8"/>
+    <p:sldId id="262" r:id="rId9"/>
+    <p:sldId id="264" r:id="rId10"/>
   </p:sldIdLst>
   <p:sldSz cx="12192000" cy="6858000"/>
   <p:notesSz cx="6858000" cy="9144000"/>
@@ -3684,6 +3686,314 @@
           <p:cNvPr id="2" name="标题 1">
             <a:extLst>
               <a:ext uri="{FF2B5EF4-FFF2-40B4-BE49-F238E27FC236}">
+                <a16:creationId xmlns:a16="http://schemas.microsoft.com/office/drawing/2014/main" id="{AF4E756D-0851-4117-B072-686F3D27BCC1}"/>
+              </a:ext>
+            </a:extLst>
+          </p:cNvPr>
+          <p:cNvSpPr>
+            <a:spLocks noGrp="1"/>
+          </p:cNvSpPr>
+          <p:nvPr>
+            <p:ph type="title"/>
+          </p:nvPr>
+        </p:nvSpPr>
+        <p:spPr/>
+        <p:txBody>
+          <a:bodyPr/>
+          <a:lstStyle/>
+          <a:p>
+            <a:r>
+              <a:rPr lang="en-US" altLang="zh-CN" dirty="0"/>
+              <a:t>Some </a:t>
+            </a:r>
+            <a:r>
+              <a:rPr lang="en-US" altLang="zh-CN" dirty="0" err="1"/>
+              <a:t>aa_change</a:t>
+            </a:r>
+            <a:r>
+              <a:rPr lang="en-US" altLang="zh-CN" dirty="0"/>
+              <a:t> </a:t>
+            </a:r>
+            <a:r>
+              <a:rPr lang="en-US" altLang="zh-CN" dirty="0" err="1"/>
+              <a:t>freq</a:t>
+            </a:r>
+            <a:endParaRPr lang="zh-CN" altLang="en-US" dirty="0"/>
+          </a:p>
+        </p:txBody>
+      </p:sp>
+      <p:pic>
+        <p:nvPicPr>
+          <p:cNvPr id="5" name="内容占位符 4">
+            <a:extLst>
+              <a:ext uri="{FF2B5EF4-FFF2-40B4-BE49-F238E27FC236}">
+                <a16:creationId xmlns:a16="http://schemas.microsoft.com/office/drawing/2014/main" id="{4A4E04F4-3928-48FD-A64A-B3088CD91368}"/>
+              </a:ext>
+            </a:extLst>
+          </p:cNvPr>
+          <p:cNvPicPr>
+            <a:picLocks noGrp="1" noChangeAspect="1"/>
+          </p:cNvPicPr>
+          <p:nvPr>
+            <p:ph idx="1"/>
+          </p:nvPr>
+        </p:nvPicPr>
+        <p:blipFill>
+          <a:blip r:embed="rId2">
+            <a:extLst>
+              <a:ext uri="{28A0092B-C50C-407E-A947-70E740481C1C}">
+                <a14:useLocalDpi xmlns:a14="http://schemas.microsoft.com/office/drawing/2010/main" val="0"/>
+              </a:ext>
+            </a:extLst>
+          </a:blip>
+          <a:stretch>
+            <a:fillRect/>
+          </a:stretch>
+        </p:blipFill>
+        <p:spPr>
+          <a:xfrm>
+            <a:off x="838200" y="3845379"/>
+            <a:ext cx="2860963" cy="1726130"/>
+          </a:xfrm>
+        </p:spPr>
+      </p:pic>
+      <p:pic>
+        <p:nvPicPr>
+          <p:cNvPr id="7" name="图片 6">
+            <a:extLst>
+              <a:ext uri="{FF2B5EF4-FFF2-40B4-BE49-F238E27FC236}">
+                <a16:creationId xmlns:a16="http://schemas.microsoft.com/office/drawing/2014/main" id="{F883AF62-FB3C-43EB-BD7D-42C7DFA58212}"/>
+              </a:ext>
+            </a:extLst>
+          </p:cNvPr>
+          <p:cNvPicPr>
+            <a:picLocks noChangeAspect="1"/>
+          </p:cNvPicPr>
+          <p:nvPr/>
+        </p:nvPicPr>
+        <p:blipFill>
+          <a:blip r:embed="rId3">
+            <a:extLst>
+              <a:ext uri="{28A0092B-C50C-407E-A947-70E740481C1C}">
+                <a14:useLocalDpi xmlns:a14="http://schemas.microsoft.com/office/drawing/2010/main" val="0"/>
+              </a:ext>
+            </a:extLst>
+          </a:blip>
+          <a:stretch>
+            <a:fillRect/>
+          </a:stretch>
+        </p:blipFill>
+        <p:spPr>
+          <a:xfrm>
+            <a:off x="838200" y="1690688"/>
+            <a:ext cx="3515506" cy="2153212"/>
+          </a:xfrm>
+          <a:prstGeom prst="rect">
+            <a:avLst/>
+          </a:prstGeom>
+        </p:spPr>
+      </p:pic>
+      <p:sp>
+        <p:nvSpPr>
+          <p:cNvPr id="8" name="文本框 7">
+            <a:extLst>
+              <a:ext uri="{FF2B5EF4-FFF2-40B4-BE49-F238E27FC236}">
+                <a16:creationId xmlns:a16="http://schemas.microsoft.com/office/drawing/2014/main" id="{6F671F4D-5281-4953-8170-C0669E225D4F}"/>
+              </a:ext>
+            </a:extLst>
+          </p:cNvPr>
+          <p:cNvSpPr txBox="1"/>
+          <p:nvPr/>
+        </p:nvSpPr>
+        <p:spPr>
+          <a:xfrm>
+            <a:off x="7543800" y="1614050"/>
+            <a:ext cx="4204854" cy="3664978"/>
+          </a:xfrm>
+          <a:prstGeom prst="rect">
+            <a:avLst/>
+          </a:prstGeom>
+          <a:noFill/>
+        </p:spPr>
+        <p:txBody>
+          <a:bodyPr wrap="square" rtlCol="0">
+            <a:spAutoFit/>
+          </a:bodyPr>
+          <a:lstStyle/>
+          <a:p>
+            <a:pPr>
+              <a:lnSpc>
+                <a:spcPct val="130000"/>
+              </a:lnSpc>
+            </a:pPr>
+            <a:r>
+              <a:rPr lang="en-US" altLang="zh-CN" dirty="0"/>
+              <a:t>BA.2.11 started in Nov. 2021: India -&gt; Britain -&gt; Europe;</a:t>
+            </a:r>
+          </a:p>
+          <a:p>
+            <a:pPr>
+              <a:lnSpc>
+                <a:spcPct val="130000"/>
+              </a:lnSpc>
+            </a:pPr>
+            <a:endParaRPr lang="en-US" altLang="zh-CN" dirty="0"/>
+          </a:p>
+          <a:p>
+            <a:pPr>
+              <a:lnSpc>
+                <a:spcPct val="130000"/>
+              </a:lnSpc>
+            </a:pPr>
+            <a:r>
+              <a:rPr lang="en-US" altLang="zh-CN" dirty="0"/>
+              <a:t>Two</a:t>
+            </a:r>
+            <a:r>
+              <a:rPr lang="zh-CN" altLang="en-US" dirty="0"/>
+              <a:t> </a:t>
+            </a:r>
+            <a:r>
+              <a:rPr lang="en-US" altLang="zh-CN" dirty="0"/>
+              <a:t>new spike</a:t>
+            </a:r>
+            <a:r>
+              <a:rPr lang="zh-CN" altLang="en-US" dirty="0"/>
+              <a:t> </a:t>
+            </a:r>
+            <a:r>
+              <a:rPr lang="en-US" altLang="zh-CN" dirty="0"/>
+              <a:t>mutations: L452Q and S704L</a:t>
+            </a:r>
+          </a:p>
+          <a:p>
+            <a:pPr>
+              <a:lnSpc>
+                <a:spcPct val="130000"/>
+              </a:lnSpc>
+            </a:pPr>
+            <a:endParaRPr lang="en-US" altLang="zh-CN" dirty="0"/>
+          </a:p>
+          <a:p>
+            <a:pPr>
+              <a:lnSpc>
+                <a:spcPct val="130000"/>
+              </a:lnSpc>
+            </a:pPr>
+            <a:r>
+              <a:rPr lang="en-US" altLang="zh-CN" dirty="0"/>
+              <a:t>BA.2.11 is the product of antigenic drift, so mutation is relatively difficult to accumulate -&gt; showing the current selection pressure</a:t>
+            </a:r>
+          </a:p>
+        </p:txBody>
+      </p:sp>
+      <p:pic>
+        <p:nvPicPr>
+          <p:cNvPr id="10" name="图片 9">
+            <a:extLst>
+              <a:ext uri="{FF2B5EF4-FFF2-40B4-BE49-F238E27FC236}">
+                <a16:creationId xmlns:a16="http://schemas.microsoft.com/office/drawing/2014/main" id="{FADE1EA4-B202-4FB5-A186-86853AFB364D}"/>
+              </a:ext>
+            </a:extLst>
+          </p:cNvPr>
+          <p:cNvPicPr>
+            <a:picLocks noChangeAspect="1"/>
+          </p:cNvPicPr>
+          <p:nvPr/>
+        </p:nvPicPr>
+        <p:blipFill>
+          <a:blip r:embed="rId4">
+            <a:extLst>
+              <a:ext uri="{28A0092B-C50C-407E-A947-70E740481C1C}">
+                <a14:useLocalDpi xmlns:a14="http://schemas.microsoft.com/office/drawing/2010/main" val="0"/>
+              </a:ext>
+            </a:extLst>
+          </a:blip>
+          <a:stretch>
+            <a:fillRect/>
+          </a:stretch>
+        </p:blipFill>
+        <p:spPr>
+          <a:xfrm>
+            <a:off x="4338246" y="3843900"/>
+            <a:ext cx="2860963" cy="1755850"/>
+          </a:xfrm>
+          <a:prstGeom prst="rect">
+            <a:avLst/>
+          </a:prstGeom>
+        </p:spPr>
+      </p:pic>
+      <p:pic>
+        <p:nvPicPr>
+          <p:cNvPr id="12" name="图片 11">
+            <a:extLst>
+              <a:ext uri="{FF2B5EF4-FFF2-40B4-BE49-F238E27FC236}">
+                <a16:creationId xmlns:a16="http://schemas.microsoft.com/office/drawing/2014/main" id="{A77520D2-4491-4718-9181-1214C82E8271}"/>
+              </a:ext>
+            </a:extLst>
+          </p:cNvPr>
+          <p:cNvPicPr>
+            <a:picLocks noChangeAspect="1"/>
+          </p:cNvPicPr>
+          <p:nvPr/>
+        </p:nvPicPr>
+        <p:blipFill>
+          <a:blip r:embed="rId5">
+            <a:extLst>
+              <a:ext uri="{28A0092B-C50C-407E-A947-70E740481C1C}">
+                <a14:useLocalDpi xmlns:a14="http://schemas.microsoft.com/office/drawing/2010/main" val="0"/>
+              </a:ext>
+            </a:extLst>
+          </a:blip>
+          <a:stretch>
+            <a:fillRect/>
+          </a:stretch>
+        </p:blipFill>
+        <p:spPr>
+          <a:xfrm>
+            <a:off x="4437580" y="1690688"/>
+            <a:ext cx="2890223" cy="1755851"/>
+          </a:xfrm>
+          <a:prstGeom prst="rect">
+            <a:avLst/>
+          </a:prstGeom>
+        </p:spPr>
+      </p:pic>
+    </p:spTree>
+    <p:extLst>
+      <p:ext uri="{BB962C8B-B14F-4D97-AF65-F5344CB8AC3E}">
+        <p14:creationId xmlns:p14="http://schemas.microsoft.com/office/powerpoint/2010/main" val="1186844859"/>
+      </p:ext>
+    </p:extLst>
+  </p:cSld>
+  <p:clrMapOvr>
+    <a:masterClrMapping/>
+  </p:clrMapOvr>
+</p:sld>
+</file>
+
+<file path=ppt/slides/slide4.xml><?xml version="1.0" encoding="utf-8"?>
+<p:sld xmlns:a="http://schemas.openxmlformats.org/drawingml/2006/main" xmlns:r="http://schemas.openxmlformats.org/officeDocument/2006/relationships" xmlns:p="http://schemas.openxmlformats.org/presentationml/2006/main">
+  <p:cSld>
+    <p:spTree>
+      <p:nvGrpSpPr>
+        <p:cNvPr id="1" name=""/>
+        <p:cNvGrpSpPr/>
+        <p:nvPr/>
+      </p:nvGrpSpPr>
+      <p:grpSpPr>
+        <a:xfrm>
+          <a:off x="0" y="0"/>
+          <a:ext cx="0" cy="0"/>
+          <a:chOff x="0" y="0"/>
+          <a:chExt cx="0" cy="0"/>
+        </a:xfrm>
+      </p:grpSpPr>
+      <p:sp>
+        <p:nvSpPr>
+          <p:cNvPr id="2" name="标题 1">
+            <a:extLst>
+              <a:ext uri="{FF2B5EF4-FFF2-40B4-BE49-F238E27FC236}">
                 <a16:creationId xmlns:a16="http://schemas.microsoft.com/office/drawing/2014/main" id="{AB00FB05-4892-42F5-97BE-D76102F4427E}"/>
               </a:ext>
             </a:extLst>
@@ -3803,7 +4113,7 @@
 </p:sld>
 </file>
 
-<file path=ppt/slides/slide4.xml><?xml version="1.0" encoding="utf-8"?>
+<file path=ppt/slides/slide5.xml><?xml version="1.0" encoding="utf-8"?>
 <p:sld xmlns:a="http://schemas.openxmlformats.org/drawingml/2006/main" xmlns:r="http://schemas.openxmlformats.org/officeDocument/2006/relationships" xmlns:p="http://schemas.openxmlformats.org/presentationml/2006/main">
   <p:cSld>
     <p:spTree>
@@ -3934,7 +4244,7 @@
 </p:sld>
 </file>
 
-<file path=ppt/slides/slide5.xml><?xml version="1.0" encoding="utf-8"?>
+<file path=ppt/slides/slide6.xml><?xml version="1.0" encoding="utf-8"?>
 <p:sld xmlns:a="http://schemas.openxmlformats.org/drawingml/2006/main" xmlns:r="http://schemas.openxmlformats.org/officeDocument/2006/relationships" xmlns:p="http://schemas.openxmlformats.org/presentationml/2006/main">
   <p:cSld>
     <p:spTree>
@@ -4158,94 +4468,6 @@
 </p:sld>
 </file>
 
-<file path=ppt/slides/slide6.xml><?xml version="1.0" encoding="utf-8"?>
-<p:sld xmlns:a="http://schemas.openxmlformats.org/drawingml/2006/main" xmlns:r="http://schemas.openxmlformats.org/officeDocument/2006/relationships" xmlns:p="http://schemas.openxmlformats.org/presentationml/2006/main">
-  <p:cSld>
-    <p:spTree>
-      <p:nvGrpSpPr>
-        <p:cNvPr id="1" name=""/>
-        <p:cNvGrpSpPr/>
-        <p:nvPr/>
-      </p:nvGrpSpPr>
-      <p:grpSpPr>
-        <a:xfrm>
-          <a:off x="0" y="0"/>
-          <a:ext cx="0" cy="0"/>
-          <a:chOff x="0" y="0"/>
-          <a:chExt cx="0" cy="0"/>
-        </a:xfrm>
-      </p:grpSpPr>
-      <p:sp>
-        <p:nvSpPr>
-          <p:cNvPr id="2" name="标题 1">
-            <a:extLst>
-              <a:ext uri="{FF2B5EF4-FFF2-40B4-BE49-F238E27FC236}">
-                <a16:creationId xmlns:a16="http://schemas.microsoft.com/office/drawing/2014/main" id="{51D21E54-FCD5-44FA-A784-B0B91F1A9D1C}"/>
-              </a:ext>
-            </a:extLst>
-          </p:cNvPr>
-          <p:cNvSpPr>
-            <a:spLocks noGrp="1"/>
-          </p:cNvSpPr>
-          <p:nvPr>
-            <p:ph type="title"/>
-          </p:nvPr>
-        </p:nvSpPr>
-        <p:spPr/>
-        <p:txBody>
-          <a:bodyPr/>
-          <a:lstStyle/>
-          <a:p>
-            <a:r>
-              <a:rPr lang="en-US" altLang="zh-CN" dirty="0"/>
-              <a:t>A small question</a:t>
-            </a:r>
-            <a:endParaRPr lang="zh-CN" altLang="en-US" dirty="0"/>
-          </a:p>
-        </p:txBody>
-      </p:sp>
-      <p:sp>
-        <p:nvSpPr>
-          <p:cNvPr id="3" name="内容占位符 2">
-            <a:extLst>
-              <a:ext uri="{FF2B5EF4-FFF2-40B4-BE49-F238E27FC236}">
-                <a16:creationId xmlns:a16="http://schemas.microsoft.com/office/drawing/2014/main" id="{3ED50A39-C519-496A-8F5B-F924E5A0F056}"/>
-              </a:ext>
-            </a:extLst>
-          </p:cNvPr>
-          <p:cNvSpPr>
-            <a:spLocks noGrp="1"/>
-          </p:cNvSpPr>
-          <p:nvPr>
-            <p:ph idx="1"/>
-          </p:nvPr>
-        </p:nvSpPr>
-        <p:spPr/>
-        <p:txBody>
-          <a:bodyPr/>
-          <a:lstStyle/>
-          <a:p>
-            <a:r>
-              <a:rPr lang="en-US" altLang="zh-CN" dirty="0"/>
-              <a:t>SARS-CoV-2 is a RNA virus, why there is Thymine in the data?</a:t>
-            </a:r>
-            <a:endParaRPr lang="zh-CN" altLang="en-US" dirty="0"/>
-          </a:p>
-        </p:txBody>
-      </p:sp>
-    </p:spTree>
-    <p:extLst>
-      <p:ext uri="{BB962C8B-B14F-4D97-AF65-F5344CB8AC3E}">
-        <p14:creationId xmlns:p14="http://schemas.microsoft.com/office/powerpoint/2010/main" val="1428705747"/>
-      </p:ext>
-    </p:extLst>
-  </p:cSld>
-  <p:clrMapOvr>
-    <a:masterClrMapping/>
-  </p:clrMapOvr>
-</p:sld>
-</file>
-
 <file path=ppt/slides/slide7.xml><?xml version="1.0" encoding="utf-8"?>
 <p:sld xmlns:a="http://schemas.openxmlformats.org/drawingml/2006/main" xmlns:r="http://schemas.openxmlformats.org/officeDocument/2006/relationships" xmlns:p="http://schemas.openxmlformats.org/presentationml/2006/main">
   <p:cSld>
@@ -4268,6 +4490,94 @@
           <p:cNvPr id="2" name="标题 1">
             <a:extLst>
               <a:ext uri="{FF2B5EF4-FFF2-40B4-BE49-F238E27FC236}">
+                <a16:creationId xmlns:a16="http://schemas.microsoft.com/office/drawing/2014/main" id="{51D21E54-FCD5-44FA-A784-B0B91F1A9D1C}"/>
+              </a:ext>
+            </a:extLst>
+          </p:cNvPr>
+          <p:cNvSpPr>
+            <a:spLocks noGrp="1"/>
+          </p:cNvSpPr>
+          <p:nvPr>
+            <p:ph type="title"/>
+          </p:nvPr>
+        </p:nvSpPr>
+        <p:spPr/>
+        <p:txBody>
+          <a:bodyPr/>
+          <a:lstStyle/>
+          <a:p>
+            <a:r>
+              <a:rPr lang="en-US" altLang="zh-CN" dirty="0"/>
+              <a:t>A small question</a:t>
+            </a:r>
+            <a:endParaRPr lang="zh-CN" altLang="en-US" dirty="0"/>
+          </a:p>
+        </p:txBody>
+      </p:sp>
+      <p:sp>
+        <p:nvSpPr>
+          <p:cNvPr id="3" name="内容占位符 2">
+            <a:extLst>
+              <a:ext uri="{FF2B5EF4-FFF2-40B4-BE49-F238E27FC236}">
+                <a16:creationId xmlns:a16="http://schemas.microsoft.com/office/drawing/2014/main" id="{3ED50A39-C519-496A-8F5B-F924E5A0F056}"/>
+              </a:ext>
+            </a:extLst>
+          </p:cNvPr>
+          <p:cNvSpPr>
+            <a:spLocks noGrp="1"/>
+          </p:cNvSpPr>
+          <p:nvPr>
+            <p:ph idx="1"/>
+          </p:nvPr>
+        </p:nvSpPr>
+        <p:spPr/>
+        <p:txBody>
+          <a:bodyPr/>
+          <a:lstStyle/>
+          <a:p>
+            <a:r>
+              <a:rPr lang="en-US" altLang="zh-CN" dirty="0"/>
+              <a:t>SARS-CoV-2 is a RNA virus, why there is Thymine in the data?</a:t>
+            </a:r>
+            <a:endParaRPr lang="zh-CN" altLang="en-US" dirty="0"/>
+          </a:p>
+        </p:txBody>
+      </p:sp>
+    </p:spTree>
+    <p:extLst>
+      <p:ext uri="{BB962C8B-B14F-4D97-AF65-F5344CB8AC3E}">
+        <p14:creationId xmlns:p14="http://schemas.microsoft.com/office/powerpoint/2010/main" val="1428705747"/>
+      </p:ext>
+    </p:extLst>
+  </p:cSld>
+  <p:clrMapOvr>
+    <a:masterClrMapping/>
+  </p:clrMapOvr>
+</p:sld>
+</file>
+
+<file path=ppt/slides/slide8.xml><?xml version="1.0" encoding="utf-8"?>
+<p:sld xmlns:a="http://schemas.openxmlformats.org/drawingml/2006/main" xmlns:r="http://schemas.openxmlformats.org/officeDocument/2006/relationships" xmlns:p="http://schemas.openxmlformats.org/presentationml/2006/main">
+  <p:cSld>
+    <p:spTree>
+      <p:nvGrpSpPr>
+        <p:cNvPr id="1" name=""/>
+        <p:cNvGrpSpPr/>
+        <p:nvPr/>
+      </p:nvGrpSpPr>
+      <p:grpSpPr>
+        <a:xfrm>
+          <a:off x="0" y="0"/>
+          <a:ext cx="0" cy="0"/>
+          <a:chOff x="0" y="0"/>
+          <a:chExt cx="0" cy="0"/>
+        </a:xfrm>
+      </p:grpSpPr>
+      <p:sp>
+        <p:nvSpPr>
+          <p:cNvPr id="2" name="标题 1">
+            <a:extLst>
+              <a:ext uri="{FF2B5EF4-FFF2-40B4-BE49-F238E27FC236}">
                 <a16:creationId xmlns:a16="http://schemas.microsoft.com/office/drawing/2014/main" id="{B22C4E41-00ED-4434-9D52-78996F807563}"/>
               </a:ext>
             </a:extLst>
@@ -4308,20 +4618,20 @@
             <p:ph idx="1"/>
           </p:nvPr>
         </p:nvSpPr>
-        <p:spPr/>
+        <p:spPr>
+          <a:xfrm>
+            <a:off x="838199" y="1825625"/>
+            <a:ext cx="11076709" cy="4351338"/>
+          </a:xfrm>
+        </p:spPr>
         <p:txBody>
           <a:bodyPr/>
           <a:lstStyle/>
           <a:p>
             <a:r>
               <a:rPr lang="en-US" altLang="zh-CN" dirty="0"/>
-              <a:t>The strength and influence of adaptive selection </a:t>
-            </a:r>
-            <a:r>
-              <a:rPr lang="en-US" altLang="zh-CN"/>
-              <a:t>to SARS-CoV-2?</a:t>
-            </a:r>
-            <a:endParaRPr lang="en-US" altLang="zh-CN" dirty="0"/>
+              <a:t>The strength and influence of adaptive selection to SARS-CoV-2?</a:t>
+            </a:r>
           </a:p>
           <a:p>
             <a:pPr lvl="1"/>
@@ -4343,7 +4653,46 @@
               <a:rPr lang="en-US" altLang="zh-CN" dirty="0"/>
               <a:t>D614G has fixed</a:t>
             </a:r>
-            <a:endParaRPr lang="zh-CN" altLang="en-US" dirty="0"/>
+          </a:p>
+          <a:p>
+            <a:endParaRPr lang="en-US" altLang="zh-CN" dirty="0"/>
+          </a:p>
+          <a:p>
+            <a:r>
+              <a:rPr lang="en-US" altLang="zh-CN" dirty="0"/>
+              <a:t>Convergence of S704L:</a:t>
+            </a:r>
+          </a:p>
+          <a:p>
+            <a:pPr lvl="1"/>
+            <a:r>
+              <a:rPr lang="en-US" altLang="zh-CN" dirty="0"/>
+              <a:t>BA.1 + S704L has a better growth than BA.1</a:t>
+            </a:r>
+          </a:p>
+          <a:p>
+            <a:pPr lvl="1"/>
+            <a:r>
+              <a:rPr lang="en-US" altLang="zh-CN" dirty="0"/>
+              <a:t>Adaptive selection?</a:t>
+            </a:r>
+          </a:p>
+          <a:p>
+            <a:pPr lvl="1"/>
+            <a:r>
+              <a:rPr lang="en-US" altLang="zh-CN" dirty="0"/>
+              <a:t>BA.2 + S704L becomes BA.2.12.1, in USA, 12 times more detected in 2 weeks.</a:t>
+            </a:r>
+          </a:p>
+          <a:p>
+            <a:endParaRPr lang="en-US" altLang="zh-CN" dirty="0"/>
+          </a:p>
+          <a:p>
+            <a:endParaRPr lang="en-US" altLang="zh-CN" dirty="0"/>
+          </a:p>
+          <a:p>
+            <a:pPr lvl="1"/>
+            <a:endParaRPr lang="en-US" altLang="zh-CN" dirty="0"/>
           </a:p>
         </p:txBody>
       </p:sp>
@@ -4351,6 +4700,72 @@
     <p:extLst>
       <p:ext uri="{BB962C8B-B14F-4D97-AF65-F5344CB8AC3E}">
         <p14:creationId xmlns:p14="http://schemas.microsoft.com/office/powerpoint/2010/main" val="1110309883"/>
+      </p:ext>
+    </p:extLst>
+  </p:cSld>
+  <p:clrMapOvr>
+    <a:masterClrMapping/>
+  </p:clrMapOvr>
+</p:sld>
+</file>
+
+<file path=ppt/slides/slide9.xml><?xml version="1.0" encoding="utf-8"?>
+<p:sld xmlns:a="http://schemas.openxmlformats.org/drawingml/2006/main" xmlns:r="http://schemas.openxmlformats.org/officeDocument/2006/relationships" xmlns:p="http://schemas.openxmlformats.org/presentationml/2006/main">
+  <p:cSld>
+    <p:spTree>
+      <p:nvGrpSpPr>
+        <p:cNvPr id="1" name=""/>
+        <p:cNvGrpSpPr/>
+        <p:nvPr/>
+      </p:nvGrpSpPr>
+      <p:grpSpPr>
+        <a:xfrm>
+          <a:off x="0" y="0"/>
+          <a:ext cx="0" cy="0"/>
+          <a:chOff x="0" y="0"/>
+          <a:chExt cx="0" cy="0"/>
+        </a:xfrm>
+      </p:grpSpPr>
+      <p:pic>
+        <p:nvPicPr>
+          <p:cNvPr id="5" name="图片 4">
+            <a:extLst>
+              <a:ext uri="{FF2B5EF4-FFF2-40B4-BE49-F238E27FC236}">
+                <a16:creationId xmlns:a16="http://schemas.microsoft.com/office/drawing/2014/main" id="{448E584F-BD97-4B99-AFEC-147810F265CE}"/>
+              </a:ext>
+            </a:extLst>
+          </p:cNvPr>
+          <p:cNvPicPr>
+            <a:picLocks noChangeAspect="1"/>
+          </p:cNvPicPr>
+          <p:nvPr/>
+        </p:nvPicPr>
+        <p:blipFill>
+          <a:blip r:embed="rId2">
+            <a:extLst>
+              <a:ext uri="{28A0092B-C50C-407E-A947-70E740481C1C}">
+                <a14:useLocalDpi xmlns:a14="http://schemas.microsoft.com/office/drawing/2010/main" val="0"/>
+              </a:ext>
+            </a:extLst>
+          </a:blip>
+          <a:stretch>
+            <a:fillRect/>
+          </a:stretch>
+        </p:blipFill>
+        <p:spPr>
+          <a:xfrm>
+            <a:off x="2984340" y="707885"/>
+            <a:ext cx="6223320" cy="5442230"/>
+          </a:xfrm>
+          <a:prstGeom prst="rect">
+            <a:avLst/>
+          </a:prstGeom>
+        </p:spPr>
+      </p:pic>
+    </p:spTree>
+    <p:extLst>
+      <p:ext uri="{BB962C8B-B14F-4D97-AF65-F5344CB8AC3E}">
+        <p14:creationId xmlns:p14="http://schemas.microsoft.com/office/powerpoint/2010/main" val="2338749451"/>
       </p:ext>
     </p:extLst>
   </p:cSld>

--- a/DiaryLog/Daily_Week6.pptx
+++ b/DiaryLog/Daily_Week6.pptx
@@ -3808,7 +3808,7 @@
         <p:spPr>
           <a:xfrm>
             <a:off x="7543800" y="1614050"/>
-            <a:ext cx="4204854" cy="3664978"/>
+            <a:ext cx="4204854" cy="4385175"/>
           </a:xfrm>
           <a:prstGeom prst="rect">
             <a:avLst/>
@@ -3827,8 +3827,12 @@
               </a:lnSpc>
             </a:pPr>
             <a:r>
+              <a:rPr lang="en-US" altLang="zh-CN" b="1" dirty="0"/>
+              <a:t>BA.2.11 </a:t>
+            </a:r>
+            <a:r>
               <a:rPr lang="en-US" altLang="zh-CN" dirty="0"/>
-              <a:t>BA.2.11 started in Nov. 2021: India -&gt; Britain -&gt; Europe;</a:t>
+              <a:t>started in Nov. 2021: India -&gt; Britain -&gt; Europe;</a:t>
             </a:r>
           </a:p>
           <a:p>
@@ -3883,6 +3887,25 @@
             <a:r>
               <a:rPr lang="en-US" altLang="zh-CN" dirty="0"/>
               <a:t>BA.2.11 is the product of antigenic drift, so mutation is relatively difficult to accumulate -&gt; showing the current selection pressure</a:t>
+            </a:r>
+          </a:p>
+          <a:p>
+            <a:pPr>
+              <a:lnSpc>
+                <a:spcPct val="130000"/>
+              </a:lnSpc>
+            </a:pPr>
+            <a:endParaRPr lang="en-US" altLang="zh-CN" dirty="0"/>
+          </a:p>
+          <a:p>
+            <a:pPr>
+              <a:lnSpc>
+                <a:spcPct val="130000"/>
+              </a:lnSpc>
+            </a:pPr>
+            <a:r>
+              <a:rPr lang="en-US" altLang="zh-CN" dirty="0"/>
+              <a:t>BA.2.12.1</a:t>
             </a:r>
           </a:p>
         </p:txBody>
@@ -4014,15 +4037,7 @@
           <a:p>
             <a:r>
               <a:rPr lang="en-US" altLang="zh-CN" sz="3600" dirty="0"/>
-              <a:t>Distribution of Missense/</a:t>
-            </a:r>
-            <a:r>
-              <a:rPr lang="en-US" altLang="zh-CN" sz="3600" dirty="0" err="1"/>
-              <a:t>Synonmous</a:t>
-            </a:r>
-            <a:r>
-              <a:rPr lang="en-US" altLang="zh-CN" sz="3600" dirty="0"/>
-              <a:t> with time</a:t>
+              <a:t>Distribution of Missense/Synonymous with time</a:t>
             </a:r>
             <a:endParaRPr lang="zh-CN" altLang="en-US" sz="3600" dirty="0"/>
           </a:p>

--- a/DiaryLog/Daily_Week6.pptx
+++ b/DiaryLog/Daily_Week6.pptx
@@ -10,10 +10,11 @@
     <p:sldId id="263" r:id="rId4"/>
     <p:sldId id="258" r:id="rId5"/>
     <p:sldId id="259" r:id="rId6"/>
-    <p:sldId id="260" r:id="rId7"/>
-    <p:sldId id="261" r:id="rId8"/>
-    <p:sldId id="262" r:id="rId9"/>
-    <p:sldId id="264" r:id="rId10"/>
+    <p:sldId id="264" r:id="rId7"/>
+    <p:sldId id="260" r:id="rId8"/>
+    <p:sldId id="261" r:id="rId9"/>
+    <p:sldId id="262" r:id="rId10"/>
+    <p:sldId id="265" r:id="rId11"/>
   </p:sldIdLst>
   <p:sldSz cx="12192000" cy="6858000"/>
   <p:notesSz cx="6858000" cy="9144000"/>
@@ -3376,6 +3377,107 @@
 </p:sld>
 </file>
 
+<file path=ppt/slides/slide10.xml><?xml version="1.0" encoding="utf-8"?>
+<p:sld xmlns:a="http://schemas.openxmlformats.org/drawingml/2006/main" xmlns:r="http://schemas.openxmlformats.org/officeDocument/2006/relationships" xmlns:p="http://schemas.openxmlformats.org/presentationml/2006/main">
+  <p:cSld>
+    <p:spTree>
+      <p:nvGrpSpPr>
+        <p:cNvPr id="1" name=""/>
+        <p:cNvGrpSpPr/>
+        <p:nvPr/>
+      </p:nvGrpSpPr>
+      <p:grpSpPr>
+        <a:xfrm>
+          <a:off x="0" y="0"/>
+          <a:ext cx="0" cy="0"/>
+          <a:chOff x="0" y="0"/>
+          <a:chExt cx="0" cy="0"/>
+        </a:xfrm>
+      </p:grpSpPr>
+      <p:sp>
+        <p:nvSpPr>
+          <p:cNvPr id="2" name="标题 1">
+            <a:extLst>
+              <a:ext uri="{FF2B5EF4-FFF2-40B4-BE49-F238E27FC236}">
+                <a16:creationId xmlns:a16="http://schemas.microsoft.com/office/drawing/2014/main" id="{C9D9F733-59CD-4FB2-8A94-5C62AC86EB4D}"/>
+              </a:ext>
+            </a:extLst>
+          </p:cNvPr>
+          <p:cNvSpPr>
+            <a:spLocks noGrp="1"/>
+          </p:cNvSpPr>
+          <p:nvPr>
+            <p:ph type="title"/>
+          </p:nvPr>
+        </p:nvSpPr>
+        <p:spPr/>
+        <p:txBody>
+          <a:bodyPr/>
+          <a:lstStyle/>
+          <a:p>
+            <a:r>
+              <a:rPr lang="en-US" altLang="zh-CN" dirty="0"/>
+              <a:t>Question 2</a:t>
+            </a:r>
+            <a:endParaRPr lang="zh-CN" altLang="en-US" dirty="0"/>
+          </a:p>
+        </p:txBody>
+      </p:sp>
+      <p:sp>
+        <p:nvSpPr>
+          <p:cNvPr id="3" name="内容占位符 2">
+            <a:extLst>
+              <a:ext uri="{FF2B5EF4-FFF2-40B4-BE49-F238E27FC236}">
+                <a16:creationId xmlns:a16="http://schemas.microsoft.com/office/drawing/2014/main" id="{CFA219C5-A4B3-4D14-92B4-E1F612A3AA25}"/>
+              </a:ext>
+            </a:extLst>
+          </p:cNvPr>
+          <p:cNvSpPr>
+            <a:spLocks noGrp="1"/>
+          </p:cNvSpPr>
+          <p:nvPr>
+            <p:ph idx="1"/>
+          </p:nvPr>
+        </p:nvSpPr>
+        <p:spPr/>
+        <p:txBody>
+          <a:bodyPr/>
+          <a:lstStyle/>
+          <a:p>
+            <a:r>
+              <a:rPr lang="en-US" altLang="zh-CN" dirty="0"/>
+              <a:t>GC content</a:t>
+            </a:r>
+          </a:p>
+          <a:p>
+            <a:pPr lvl="1"/>
+            <a:r>
+              <a:rPr lang="en-US" altLang="zh-CN" dirty="0"/>
+              <a:t>C -&gt; T/U high frequently</a:t>
+            </a:r>
+          </a:p>
+          <a:p>
+            <a:pPr lvl="1"/>
+            <a:r>
+              <a:rPr lang="en-US" altLang="zh-CN" dirty="0"/>
+              <a:t>The meaning and consequence?</a:t>
+            </a:r>
+          </a:p>
+        </p:txBody>
+      </p:sp>
+    </p:spTree>
+    <p:extLst>
+      <p:ext uri="{BB962C8B-B14F-4D97-AF65-F5344CB8AC3E}">
+        <p14:creationId xmlns:p14="http://schemas.microsoft.com/office/powerpoint/2010/main" val="2144418274"/>
+      </p:ext>
+    </p:extLst>
+  </p:cSld>
+  <p:clrMapOvr>
+    <a:masterClrMapping/>
+  </p:clrMapOvr>
+</p:sld>
+</file>
+
 <file path=ppt/slides/slide2.xml><?xml version="1.0" encoding="utf-8"?>
 <p:sld xmlns:a="http://schemas.openxmlformats.org/drawingml/2006/main" xmlns:r="http://schemas.openxmlformats.org/officeDocument/2006/relationships" xmlns:p="http://schemas.openxmlformats.org/presentationml/2006/main">
   <p:cSld>
@@ -3785,7 +3887,7 @@
         </p:blipFill>
         <p:spPr>
           <a:xfrm>
-            <a:off x="838200" y="1690688"/>
+            <a:off x="527220" y="1492007"/>
             <a:ext cx="3515506" cy="2153212"/>
           </a:xfrm>
           <a:prstGeom prst="rect">
@@ -4276,6 +4378,72 @@
           <a:chExt cx="0" cy="0"/>
         </a:xfrm>
       </p:grpSpPr>
+      <p:pic>
+        <p:nvPicPr>
+          <p:cNvPr id="5" name="图片 4">
+            <a:extLst>
+              <a:ext uri="{FF2B5EF4-FFF2-40B4-BE49-F238E27FC236}">
+                <a16:creationId xmlns:a16="http://schemas.microsoft.com/office/drawing/2014/main" id="{448E584F-BD97-4B99-AFEC-147810F265CE}"/>
+              </a:ext>
+            </a:extLst>
+          </p:cNvPr>
+          <p:cNvPicPr>
+            <a:picLocks noChangeAspect="1"/>
+          </p:cNvPicPr>
+          <p:nvPr/>
+        </p:nvPicPr>
+        <p:blipFill>
+          <a:blip r:embed="rId2">
+            <a:extLst>
+              <a:ext uri="{28A0092B-C50C-407E-A947-70E740481C1C}">
+                <a14:useLocalDpi xmlns:a14="http://schemas.microsoft.com/office/drawing/2010/main" val="0"/>
+              </a:ext>
+            </a:extLst>
+          </a:blip>
+          <a:stretch>
+            <a:fillRect/>
+          </a:stretch>
+        </p:blipFill>
+        <p:spPr>
+          <a:xfrm>
+            <a:off x="2984340" y="707885"/>
+            <a:ext cx="6223320" cy="5442230"/>
+          </a:xfrm>
+          <a:prstGeom prst="rect">
+            <a:avLst/>
+          </a:prstGeom>
+        </p:spPr>
+      </p:pic>
+    </p:spTree>
+    <p:extLst>
+      <p:ext uri="{BB962C8B-B14F-4D97-AF65-F5344CB8AC3E}">
+        <p14:creationId xmlns:p14="http://schemas.microsoft.com/office/powerpoint/2010/main" val="2338749451"/>
+      </p:ext>
+    </p:extLst>
+  </p:cSld>
+  <p:clrMapOvr>
+    <a:masterClrMapping/>
+  </p:clrMapOvr>
+</p:sld>
+</file>
+
+<file path=ppt/slides/slide7.xml><?xml version="1.0" encoding="utf-8"?>
+<p:sld xmlns:a="http://schemas.openxmlformats.org/drawingml/2006/main" xmlns:r="http://schemas.openxmlformats.org/officeDocument/2006/relationships" xmlns:p="http://schemas.openxmlformats.org/presentationml/2006/main">
+  <p:cSld>
+    <p:spTree>
+      <p:nvGrpSpPr>
+        <p:cNvPr id="1" name=""/>
+        <p:cNvGrpSpPr/>
+        <p:nvPr/>
+      </p:nvGrpSpPr>
+      <p:grpSpPr>
+        <a:xfrm>
+          <a:off x="0" y="0"/>
+          <a:ext cx="0" cy="0"/>
+          <a:chOff x="0" y="0"/>
+          <a:chExt cx="0" cy="0"/>
+        </a:xfrm>
+      </p:grpSpPr>
       <p:sp>
         <p:nvSpPr>
           <p:cNvPr id="2" name="标题 1">
@@ -4483,94 +4651,6 @@
 </p:sld>
 </file>
 
-<file path=ppt/slides/slide7.xml><?xml version="1.0" encoding="utf-8"?>
-<p:sld xmlns:a="http://schemas.openxmlformats.org/drawingml/2006/main" xmlns:r="http://schemas.openxmlformats.org/officeDocument/2006/relationships" xmlns:p="http://schemas.openxmlformats.org/presentationml/2006/main">
-  <p:cSld>
-    <p:spTree>
-      <p:nvGrpSpPr>
-        <p:cNvPr id="1" name=""/>
-        <p:cNvGrpSpPr/>
-        <p:nvPr/>
-      </p:nvGrpSpPr>
-      <p:grpSpPr>
-        <a:xfrm>
-          <a:off x="0" y="0"/>
-          <a:ext cx="0" cy="0"/>
-          <a:chOff x="0" y="0"/>
-          <a:chExt cx="0" cy="0"/>
-        </a:xfrm>
-      </p:grpSpPr>
-      <p:sp>
-        <p:nvSpPr>
-          <p:cNvPr id="2" name="标题 1">
-            <a:extLst>
-              <a:ext uri="{FF2B5EF4-FFF2-40B4-BE49-F238E27FC236}">
-                <a16:creationId xmlns:a16="http://schemas.microsoft.com/office/drawing/2014/main" id="{51D21E54-FCD5-44FA-A784-B0B91F1A9D1C}"/>
-              </a:ext>
-            </a:extLst>
-          </p:cNvPr>
-          <p:cNvSpPr>
-            <a:spLocks noGrp="1"/>
-          </p:cNvSpPr>
-          <p:nvPr>
-            <p:ph type="title"/>
-          </p:nvPr>
-        </p:nvSpPr>
-        <p:spPr/>
-        <p:txBody>
-          <a:bodyPr/>
-          <a:lstStyle/>
-          <a:p>
-            <a:r>
-              <a:rPr lang="en-US" altLang="zh-CN" dirty="0"/>
-              <a:t>A small question</a:t>
-            </a:r>
-            <a:endParaRPr lang="zh-CN" altLang="en-US" dirty="0"/>
-          </a:p>
-        </p:txBody>
-      </p:sp>
-      <p:sp>
-        <p:nvSpPr>
-          <p:cNvPr id="3" name="内容占位符 2">
-            <a:extLst>
-              <a:ext uri="{FF2B5EF4-FFF2-40B4-BE49-F238E27FC236}">
-                <a16:creationId xmlns:a16="http://schemas.microsoft.com/office/drawing/2014/main" id="{3ED50A39-C519-496A-8F5B-F924E5A0F056}"/>
-              </a:ext>
-            </a:extLst>
-          </p:cNvPr>
-          <p:cNvSpPr>
-            <a:spLocks noGrp="1"/>
-          </p:cNvSpPr>
-          <p:nvPr>
-            <p:ph idx="1"/>
-          </p:nvPr>
-        </p:nvSpPr>
-        <p:spPr/>
-        <p:txBody>
-          <a:bodyPr/>
-          <a:lstStyle/>
-          <a:p>
-            <a:r>
-              <a:rPr lang="en-US" altLang="zh-CN" dirty="0"/>
-              <a:t>SARS-CoV-2 is a RNA virus, why there is Thymine in the data?</a:t>
-            </a:r>
-            <a:endParaRPr lang="zh-CN" altLang="en-US" dirty="0"/>
-          </a:p>
-        </p:txBody>
-      </p:sp>
-    </p:spTree>
-    <p:extLst>
-      <p:ext uri="{BB962C8B-B14F-4D97-AF65-F5344CB8AC3E}">
-        <p14:creationId xmlns:p14="http://schemas.microsoft.com/office/powerpoint/2010/main" val="1428705747"/>
-      </p:ext>
-    </p:extLst>
-  </p:cSld>
-  <p:clrMapOvr>
-    <a:masterClrMapping/>
-  </p:clrMapOvr>
-</p:sld>
-</file>
-
 <file path=ppt/slides/slide8.xml><?xml version="1.0" encoding="utf-8"?>
 <p:sld xmlns:a="http://schemas.openxmlformats.org/drawingml/2006/main" xmlns:r="http://schemas.openxmlformats.org/officeDocument/2006/relationships" xmlns:p="http://schemas.openxmlformats.org/presentationml/2006/main">
   <p:cSld>
@@ -4593,7 +4673,7 @@
           <p:cNvPr id="2" name="标题 1">
             <a:extLst>
               <a:ext uri="{FF2B5EF4-FFF2-40B4-BE49-F238E27FC236}">
-                <a16:creationId xmlns:a16="http://schemas.microsoft.com/office/drawing/2014/main" id="{B22C4E41-00ED-4434-9D52-78996F807563}"/>
+                <a16:creationId xmlns:a16="http://schemas.microsoft.com/office/drawing/2014/main" id="{51D21E54-FCD5-44FA-A784-B0B91F1A9D1C}"/>
               </a:ext>
             </a:extLst>
           </p:cNvPr>
@@ -4611,7 +4691,7 @@
           <a:p>
             <a:r>
               <a:rPr lang="en-US" altLang="zh-CN" dirty="0"/>
-              <a:t>Question 1</a:t>
+              <a:t>A small question</a:t>
             </a:r>
             <a:endParaRPr lang="zh-CN" altLang="en-US" dirty="0"/>
           </a:p>
@@ -4622,7 +4702,7 @@
           <p:cNvPr id="3" name="内容占位符 2">
             <a:extLst>
               <a:ext uri="{FF2B5EF4-FFF2-40B4-BE49-F238E27FC236}">
-                <a16:creationId xmlns:a16="http://schemas.microsoft.com/office/drawing/2014/main" id="{BA6490AE-2326-4365-A7CD-AFB711789356}"/>
+                <a16:creationId xmlns:a16="http://schemas.microsoft.com/office/drawing/2014/main" id="{3ED50A39-C519-496A-8F5B-F924E5A0F056}"/>
               </a:ext>
             </a:extLst>
           </p:cNvPr>
@@ -4633,88 +4713,23 @@
             <p:ph idx="1"/>
           </p:nvPr>
         </p:nvSpPr>
-        <p:spPr>
-          <a:xfrm>
-            <a:off x="838199" y="1825625"/>
-            <a:ext cx="11076709" cy="4351338"/>
-          </a:xfrm>
-        </p:spPr>
+        <p:spPr/>
         <p:txBody>
           <a:bodyPr/>
           <a:lstStyle/>
           <a:p>
             <a:r>
               <a:rPr lang="en-US" altLang="zh-CN" dirty="0"/>
-              <a:t>The strength and influence of adaptive selection to SARS-CoV-2?</a:t>
-            </a:r>
-          </a:p>
-          <a:p>
-            <a:pPr lvl="1"/>
-            <a:r>
-              <a:rPr lang="en-US" altLang="zh-CN" dirty="0"/>
-              <a:t>L452R comes back again</a:t>
-            </a:r>
-          </a:p>
-          <a:p>
-            <a:pPr lvl="1"/>
-            <a:r>
-              <a:rPr lang="en-US" altLang="zh-CN" dirty="0"/>
-              <a:t>Many missense variants shown</a:t>
-            </a:r>
-          </a:p>
-          <a:p>
-            <a:pPr lvl="1"/>
-            <a:r>
-              <a:rPr lang="en-US" altLang="zh-CN" dirty="0"/>
-              <a:t>D614G has fixed</a:t>
-            </a:r>
-          </a:p>
-          <a:p>
-            <a:endParaRPr lang="en-US" altLang="zh-CN" dirty="0"/>
-          </a:p>
-          <a:p>
-            <a:r>
-              <a:rPr lang="en-US" altLang="zh-CN" dirty="0"/>
-              <a:t>Convergence of S704L:</a:t>
-            </a:r>
-          </a:p>
-          <a:p>
-            <a:pPr lvl="1"/>
-            <a:r>
-              <a:rPr lang="en-US" altLang="zh-CN" dirty="0"/>
-              <a:t>BA.1 + S704L has a better growth than BA.1</a:t>
-            </a:r>
-          </a:p>
-          <a:p>
-            <a:pPr lvl="1"/>
-            <a:r>
-              <a:rPr lang="en-US" altLang="zh-CN" dirty="0"/>
-              <a:t>Adaptive selection?</a:t>
-            </a:r>
-          </a:p>
-          <a:p>
-            <a:pPr lvl="1"/>
-            <a:r>
-              <a:rPr lang="en-US" altLang="zh-CN" dirty="0"/>
-              <a:t>BA.2 + S704L becomes BA.2.12.1, in USA, 12 times more detected in 2 weeks.</a:t>
-            </a:r>
-          </a:p>
-          <a:p>
-            <a:endParaRPr lang="en-US" altLang="zh-CN" dirty="0"/>
-          </a:p>
-          <a:p>
-            <a:endParaRPr lang="en-US" altLang="zh-CN" dirty="0"/>
-          </a:p>
-          <a:p>
-            <a:pPr lvl="1"/>
-            <a:endParaRPr lang="en-US" altLang="zh-CN" dirty="0"/>
+              <a:t>SARS-CoV-2 is a RNA virus, why there is Thymine in the data?</a:t>
+            </a:r>
+            <a:endParaRPr lang="zh-CN" altLang="en-US" dirty="0"/>
           </a:p>
         </p:txBody>
       </p:sp>
     </p:spTree>
     <p:extLst>
       <p:ext uri="{BB962C8B-B14F-4D97-AF65-F5344CB8AC3E}">
-        <p14:creationId xmlns:p14="http://schemas.microsoft.com/office/powerpoint/2010/main" val="1110309883"/>
+        <p14:creationId xmlns:p14="http://schemas.microsoft.com/office/powerpoint/2010/main" val="1428705747"/>
       </p:ext>
     </p:extLst>
   </p:cSld>
@@ -4741,46 +4756,133 @@
           <a:chExt cx="0" cy="0"/>
         </a:xfrm>
       </p:grpSpPr>
-      <p:pic>
-        <p:nvPicPr>
-          <p:cNvPr id="5" name="图片 4">
-            <a:extLst>
-              <a:ext uri="{FF2B5EF4-FFF2-40B4-BE49-F238E27FC236}">
-                <a16:creationId xmlns:a16="http://schemas.microsoft.com/office/drawing/2014/main" id="{448E584F-BD97-4B99-AFEC-147810F265CE}"/>
-              </a:ext>
-            </a:extLst>
-          </p:cNvPr>
-          <p:cNvPicPr>
-            <a:picLocks noChangeAspect="1"/>
-          </p:cNvPicPr>
-          <p:nvPr/>
-        </p:nvPicPr>
-        <p:blipFill>
-          <a:blip r:embed="rId2">
-            <a:extLst>
-              <a:ext uri="{28A0092B-C50C-407E-A947-70E740481C1C}">
-                <a14:useLocalDpi xmlns:a14="http://schemas.microsoft.com/office/drawing/2010/main" val="0"/>
-              </a:ext>
-            </a:extLst>
-          </a:blip>
-          <a:stretch>
-            <a:fillRect/>
-          </a:stretch>
-        </p:blipFill>
+      <p:sp>
+        <p:nvSpPr>
+          <p:cNvPr id="2" name="标题 1">
+            <a:extLst>
+              <a:ext uri="{FF2B5EF4-FFF2-40B4-BE49-F238E27FC236}">
+                <a16:creationId xmlns:a16="http://schemas.microsoft.com/office/drawing/2014/main" id="{B22C4E41-00ED-4434-9D52-78996F807563}"/>
+              </a:ext>
+            </a:extLst>
+          </p:cNvPr>
+          <p:cNvSpPr>
+            <a:spLocks noGrp="1"/>
+          </p:cNvSpPr>
+          <p:nvPr>
+            <p:ph type="title"/>
+          </p:nvPr>
+        </p:nvSpPr>
+        <p:spPr/>
+        <p:txBody>
+          <a:bodyPr/>
+          <a:lstStyle/>
+          <a:p>
+            <a:r>
+              <a:rPr lang="en-US" altLang="zh-CN" dirty="0"/>
+              <a:t>Question 1</a:t>
+            </a:r>
+            <a:endParaRPr lang="zh-CN" altLang="en-US" dirty="0"/>
+          </a:p>
+        </p:txBody>
+      </p:sp>
+      <p:sp>
+        <p:nvSpPr>
+          <p:cNvPr id="3" name="内容占位符 2">
+            <a:extLst>
+              <a:ext uri="{FF2B5EF4-FFF2-40B4-BE49-F238E27FC236}">
+                <a16:creationId xmlns:a16="http://schemas.microsoft.com/office/drawing/2014/main" id="{BA6490AE-2326-4365-A7CD-AFB711789356}"/>
+              </a:ext>
+            </a:extLst>
+          </p:cNvPr>
+          <p:cNvSpPr>
+            <a:spLocks noGrp="1"/>
+          </p:cNvSpPr>
+          <p:nvPr>
+            <p:ph idx="1"/>
+          </p:nvPr>
+        </p:nvSpPr>
         <p:spPr>
           <a:xfrm>
-            <a:off x="2984340" y="707885"/>
-            <a:ext cx="6223320" cy="5442230"/>
+            <a:off x="838199" y="1825625"/>
+            <a:ext cx="11076709" cy="4351338"/>
           </a:xfrm>
-          <a:prstGeom prst="rect">
-            <a:avLst/>
-          </a:prstGeom>
         </p:spPr>
-      </p:pic>
+        <p:txBody>
+          <a:bodyPr/>
+          <a:lstStyle/>
+          <a:p>
+            <a:r>
+              <a:rPr lang="en-US" altLang="zh-CN" dirty="0"/>
+              <a:t>The power and influence of adaptive selection to SARS-CoV-2?</a:t>
+            </a:r>
+          </a:p>
+          <a:p>
+            <a:pPr lvl="1"/>
+            <a:r>
+              <a:rPr lang="en-US" altLang="zh-CN" dirty="0"/>
+              <a:t>L452R comes back again</a:t>
+            </a:r>
+          </a:p>
+          <a:p>
+            <a:pPr lvl="1"/>
+            <a:r>
+              <a:rPr lang="en-US" altLang="zh-CN" dirty="0"/>
+              <a:t>Many missense variants shown</a:t>
+            </a:r>
+          </a:p>
+          <a:p>
+            <a:pPr lvl="1"/>
+            <a:r>
+              <a:rPr lang="en-US" altLang="zh-CN" dirty="0"/>
+              <a:t>D614G has fixed</a:t>
+            </a:r>
+          </a:p>
+          <a:p>
+            <a:endParaRPr lang="en-US" altLang="zh-CN" dirty="0"/>
+          </a:p>
+          <a:p>
+            <a:r>
+              <a:rPr lang="en-US" altLang="zh-CN" dirty="0"/>
+              <a:t>Convergence of S704L:</a:t>
+            </a:r>
+          </a:p>
+          <a:p>
+            <a:pPr lvl="1"/>
+            <a:r>
+              <a:rPr lang="en-US" altLang="zh-CN" dirty="0"/>
+              <a:t>BA.1 + S704L has a better growth than BA.1</a:t>
+            </a:r>
+          </a:p>
+          <a:p>
+            <a:pPr lvl="1"/>
+            <a:r>
+              <a:rPr lang="en-US" altLang="zh-CN" dirty="0"/>
+              <a:t>Adaptive selection?</a:t>
+            </a:r>
+          </a:p>
+          <a:p>
+            <a:pPr lvl="1"/>
+            <a:r>
+              <a:rPr lang="en-US" altLang="zh-CN" dirty="0"/>
+              <a:t>BA.2 + S704L becomes BA.2.12.1, in USA, 12 times more detected in 2 weeks.</a:t>
+            </a:r>
+          </a:p>
+          <a:p>
+            <a:endParaRPr lang="en-US" altLang="zh-CN" dirty="0"/>
+          </a:p>
+          <a:p>
+            <a:endParaRPr lang="en-US" altLang="zh-CN" dirty="0"/>
+          </a:p>
+          <a:p>
+            <a:pPr lvl="1"/>
+            <a:endParaRPr lang="en-US" altLang="zh-CN" dirty="0"/>
+          </a:p>
+        </p:txBody>
+      </p:sp>
     </p:spTree>
     <p:extLst>
       <p:ext uri="{BB962C8B-B14F-4D97-AF65-F5344CB8AC3E}">
-        <p14:creationId xmlns:p14="http://schemas.microsoft.com/office/powerpoint/2010/main" val="2338749451"/>
+        <p14:creationId xmlns:p14="http://schemas.microsoft.com/office/powerpoint/2010/main" val="1110309883"/>
       </p:ext>
     </p:extLst>
   </p:cSld>
